--- a/Group 5 website presentation.pptx
+++ b/Group 5 website presentation.pptx
@@ -7106,31 +7106,22 @@
           <a:p>
             <a:pPr lvl="1"/>
             <a:r>
+              <a:rPr lang="en-US" sz="2600">
+                <a:solidFill>
+                  <a:srgbClr val="FFC907"/>
+                </a:solidFill>
+                <a:effectLst/>
+              </a:rPr>
+              <a:t>Sebastien Beauge</a:t>
+            </a:r>
+            <a:r>
               <a:rPr lang="en-US" sz="2600" dirty="0">
                 <a:solidFill>
                   <a:srgbClr val="FFC907"/>
                 </a:solidFill>
                 <a:effectLst/>
               </a:rPr>
-              <a:t>Sebastien </a:t>
-            </a:r>
-            <a:r>
-              <a:rPr lang="en-US" sz="2600" dirty="0" err="1">
-                <a:solidFill>
-                  <a:srgbClr val="FFC907"/>
-                </a:solidFill>
-                <a:effectLst/>
-              </a:rPr>
-              <a:t>Beague</a:t>
-            </a:r>
-            <a:r>
-              <a:rPr lang="en-US" sz="2600" dirty="0">
-                <a:solidFill>
-                  <a:srgbClr val="FFC907"/>
-                </a:solidFill>
-                <a:effectLst/>
-              </a:rPr>
-              <a:t>: Work on Contact Page</a:t>
+              <a:t>: Social media Research and Work on Contact Page</a:t>
             </a:r>
           </a:p>
           <a:p>
